--- a/Aitkin_Craft_A_Story.pptx
+++ b/Aitkin_Craft_A_Story.pptx
@@ -5,16 +5,17 @@
     <p:sldMasterId id="2147483648" r:id="rId1"/>
   </p:sldMasterIdLst>
   <p:notesMasterIdLst>
-    <p:notesMasterId r:id="rId9"/>
+    <p:notesMasterId r:id="rId10"/>
   </p:notesMasterIdLst>
   <p:sldIdLst>
     <p:sldId id="256" r:id="rId2"/>
     <p:sldId id="257" r:id="rId3"/>
     <p:sldId id="258" r:id="rId4"/>
     <p:sldId id="259" r:id="rId5"/>
-    <p:sldId id="260" r:id="rId6"/>
-    <p:sldId id="261" r:id="rId7"/>
-    <p:sldId id="262" r:id="rId8"/>
+    <p:sldId id="263" r:id="rId6"/>
+    <p:sldId id="260" r:id="rId7"/>
+    <p:sldId id="261" r:id="rId8"/>
+    <p:sldId id="262" r:id="rId9"/>
   </p:sldIdLst>
   <p:sldSz cx="12192000" cy="6858000"/>
   <p:notesSz cx="6858000" cy="9144000"/>
@@ -113,6 +114,11 @@
       </a:defRPr>
     </a:lvl9pPr>
   </p:defaultTextStyle>
+  <p:extLst>
+    <p:ext uri="{EFAFB233-063F-42B5-8137-9DF3F51BA10A}">
+      <p15:sldGuideLst xmlns:p15="http://schemas.microsoft.com/office/powerpoint/2012/main"/>
+    </p:ext>
+  </p:extLst>
 </p:presentation>
 </file>
 
@@ -198,7 +204,7 @@
           <a:p>
             <a:fld id="{9202E0C4-1F20-F44C-A498-F77B4C2C3D7B}" type="datetimeFigureOut">
               <a:rPr lang="en-US" smtClean="0"/>
-              <a:t>6/13/24</a:t>
+              <a:t>6/19/24</a:t>
             </a:fld>
             <a:endParaRPr lang="en-US"/>
           </a:p>
@@ -528,7 +534,7 @@
             </a:pPr>
             <a:r>
               <a:rPr lang="en-US" dirty="0"/>
-              <a:t>Engaged readers are buying readers! What can we learn from readers engaged on the internet?</a:t>
+              <a:t>Engaged readers are buying readers! How can we engage readers further?</a:t>
             </a:r>
           </a:p>
           <a:p>
@@ -737,7 +743,7 @@
           <a:p>
             <a:r>
               <a:rPr lang="en-US" dirty="0"/>
-              <a:t>Here we see that the types of reviews users posts are positively correlated in the number of the reviews. However! It’s important to note the scale. The most-reviewed book as of 2020 – “Twilight” by </a:t>
+              <a:t>Here we see that the types of reviews users posts are positively correlated. However! It’s important to note the scale. The most-reviewed book as of 2020 – “Twilight” by </a:t>
             </a:r>
             <a:r>
               <a:rPr lang="en-US" dirty="0" err="1"/>
@@ -753,7 +759,7 @@
             </a:r>
             <a:r>
               <a:rPr lang="en-US" dirty="0"/>
-              <a:t> star ratings. Nonetheless, books that have more star ratings are more likely to have text reviews. We can leverage that into reader engagement.</a:t>
+              <a:t> star ratings. Nonetheless, books that have more star ratings are more likely to have text reviews. We can leverage that into reader engagement by encouraging our readers to leave text reviews, rather than just star ratings</a:t>
             </a:r>
           </a:p>
         </p:txBody>
@@ -927,7 +933,13 @@
           <a:p>
             <a:r>
               <a:rPr lang="en-US" dirty="0"/>
-              <a:t>… here we see the publishers with the most star ratings. It is worth noting at this point that there is no overlap between the publishers on the two graphs. So while we should aim to publish quality books, we shouldn’t chase after pure five-star reviews. What about the number of textual reviews?</a:t>
+              <a:t>… here we see the publishers with the highest average number of star ratings per book. It is worth noting at this point that there is no overlap between the publishers on the two graphs. So while we should aim to publish quality books, we shouldn’t chase after pure five-star reviews: our competitors are more likely to be in this graph. </a:t>
+            </a:r>
+          </a:p>
+          <a:p>
+            <a:r>
+              <a:rPr lang="en-US" dirty="0"/>
+              <a:t>Note the high number of children’s publishers. We don’t have a lot of children’s books yet – this may be something for us to look into. But we can also find competitors if we look at the total number of ratings, rather than the average per book for each publisher</a:t>
             </a:r>
           </a:p>
         </p:txBody>
@@ -958,7 +970,7 @@
     </p:spTree>
     <p:extLst>
       <p:ext uri="{BB962C8B-B14F-4D97-AF65-F5344CB8AC3E}">
-        <p14:creationId xmlns:p14="http://schemas.microsoft.com/office/powerpoint/2010/main" val="2932627619"/>
+        <p14:creationId xmlns:p14="http://schemas.microsoft.com/office/powerpoint/2010/main" val="4064840424"/>
       </p:ext>
     </p:extLst>
   </p:cSld>
@@ -1014,7 +1026,21 @@
           <a:p>
             <a:r>
               <a:rPr lang="en-US" dirty="0"/>
-              <a:t>As expected from our comment that the number of textual reviews is correlated with the number of star reviews, there is some overlap here. Penguin Books has the most ratings for both star and textual reviews, thanks to books like “The Secret Life of Bees” and “Lord of the Flies”. Little, Brown, and Co are in the top five, as is Penguin Classics. </a:t>
+              <a:t>Here we see the total number of ratings. Penguin Books has over ten million total ratings. Scholastic is in both graphs, as are divisions of HarperCollins. </a:t>
+            </a:r>
+          </a:p>
+          <a:p>
+            <a:r>
+              <a:rPr lang="en-US" dirty="0"/>
+              <a:t>But we started off with a correlation between star ratings and text reviews. What </a:t>
+            </a:r>
+            <a:r>
+              <a:rPr lang="en-US" u="sng" dirty="0"/>
+              <a:t>about</a:t>
+            </a:r>
+            <a:r>
+              <a:rPr lang="en-US" dirty="0"/>
+              <a:t> the number of text reviews? Can that give us any information about our competitors?</a:t>
             </a:r>
           </a:p>
         </p:txBody>
@@ -1045,7 +1071,7 @@
     </p:spTree>
     <p:extLst>
       <p:ext uri="{BB962C8B-B14F-4D97-AF65-F5344CB8AC3E}">
-        <p14:creationId xmlns:p14="http://schemas.microsoft.com/office/powerpoint/2010/main" val="2785198020"/>
+        <p14:creationId xmlns:p14="http://schemas.microsoft.com/office/powerpoint/2010/main" val="2932627619"/>
       </p:ext>
     </p:extLst>
   </p:cSld>
@@ -1101,35 +1127,7 @@
           <a:p>
             <a:r>
               <a:rPr lang="en-US" dirty="0"/>
-              <a:t>Engaged readers are more likely to buy more books! We can encourage engagement by offering rewards for engagement on Goodreads and other social media reading sites, such as </a:t>
-            </a:r>
-            <a:r>
-              <a:rPr lang="en-US" dirty="0" err="1"/>
-              <a:t>LibraryThing</a:t>
-            </a:r>
-            <a:r>
-              <a:rPr lang="en-US" dirty="0"/>
-              <a:t>, </a:t>
-            </a:r>
-            <a:r>
-              <a:rPr lang="en-US" dirty="0" err="1"/>
-              <a:t>Litsy</a:t>
-            </a:r>
-            <a:r>
-              <a:rPr lang="en-US" dirty="0"/>
-              <a:t>, </a:t>
-            </a:r>
-            <a:r>
-              <a:rPr lang="en-US" dirty="0" err="1"/>
-              <a:t>BookTok</a:t>
-            </a:r>
-            <a:r>
-              <a:rPr lang="en-US" dirty="0"/>
-              <a:t>, and Reddit. It is not worth, however, chasing perfect ratings, as those are not necessary for </a:t>
-            </a:r>
-            <a:r>
-              <a:rPr lang="en-US"/>
-              <a:t>high engagement.</a:t>
+              <a:t>As expected from our comment that the number of textual reviews is correlated with the number of star reviews, there is some overlap here. Penguin Books has the most ratings for both star and textual reviews, thanks to books like “The Secret Life of Bees” and “Lord of the Flies”. Little, Brown, and Co are in the top five of both, as is Penguin Classics. But we can see some other competitors like Scribner and Ballantine Books.</a:t>
             </a:r>
           </a:p>
         </p:txBody>
@@ -1152,6 +1150,117 @@
             <a:fld id="{2CF9D960-2E61-6B4A-9736-CBE6A50A83D5}" type="slidenum">
               <a:rPr lang="en-US" smtClean="0"/>
               <a:t>7</a:t>
+            </a:fld>
+            <a:endParaRPr lang="en-US"/>
+          </a:p>
+        </p:txBody>
+      </p:sp>
+    </p:spTree>
+    <p:extLst>
+      <p:ext uri="{BB962C8B-B14F-4D97-AF65-F5344CB8AC3E}">
+        <p14:creationId xmlns:p14="http://schemas.microsoft.com/office/powerpoint/2010/main" val="2785198020"/>
+      </p:ext>
+    </p:extLst>
+  </p:cSld>
+  <p:clrMapOvr>
+    <a:masterClrMapping/>
+  </p:clrMapOvr>
+</p:notes>
+</file>
+
+<file path=ppt/notesSlides/notesSlide8.xml><?xml version="1.0" encoding="utf-8"?>
+<p:notes xmlns:a="http://schemas.openxmlformats.org/drawingml/2006/main" xmlns:r="http://schemas.openxmlformats.org/officeDocument/2006/relationships" xmlns:p="http://schemas.openxmlformats.org/presentationml/2006/main">
+  <p:cSld>
+    <p:spTree>
+      <p:nvGrpSpPr>
+        <p:cNvPr id="1" name=""/>
+        <p:cNvGrpSpPr/>
+        <p:nvPr/>
+      </p:nvGrpSpPr>
+      <p:grpSpPr>
+        <a:xfrm>
+          <a:off x="0" y="0"/>
+          <a:ext cx="0" cy="0"/>
+          <a:chOff x="0" y="0"/>
+          <a:chExt cx="0" cy="0"/>
+        </a:xfrm>
+      </p:grpSpPr>
+      <p:sp>
+        <p:nvSpPr>
+          <p:cNvPr id="2" name="Slide Image Placeholder 1"/>
+          <p:cNvSpPr>
+            <a:spLocks noGrp="1" noRot="1" noChangeAspect="1"/>
+          </p:cNvSpPr>
+          <p:nvPr>
+            <p:ph type="sldImg"/>
+          </p:nvPr>
+        </p:nvSpPr>
+        <p:spPr/>
+      </p:sp>
+      <p:sp>
+        <p:nvSpPr>
+          <p:cNvPr id="3" name="Notes Placeholder 2"/>
+          <p:cNvSpPr>
+            <a:spLocks noGrp="1"/>
+          </p:cNvSpPr>
+          <p:nvPr>
+            <p:ph type="body" idx="1"/>
+          </p:nvPr>
+        </p:nvSpPr>
+        <p:spPr/>
+        <p:txBody>
+          <a:bodyPr/>
+          <a:lstStyle/>
+          <a:p>
+            <a:r>
+              <a:rPr lang="en-US" dirty="0"/>
+              <a:t>As we know, engaged readers are more likely to buy more books! We can encourage engagement by offering rewards for text reviews on Goodreads. This will encourage people to leave star reviews also. In addition, we can work with other social media reading sites, such as </a:t>
+            </a:r>
+            <a:r>
+              <a:rPr lang="en-US" dirty="0" err="1"/>
+              <a:t>LibraryThing</a:t>
+            </a:r>
+            <a:r>
+              <a:rPr lang="en-US" dirty="0"/>
+              <a:t>, </a:t>
+            </a:r>
+            <a:r>
+              <a:rPr lang="en-US" dirty="0" err="1"/>
+              <a:t>Litsy</a:t>
+            </a:r>
+            <a:r>
+              <a:rPr lang="en-US" dirty="0"/>
+              <a:t>, </a:t>
+            </a:r>
+            <a:r>
+              <a:rPr lang="en-US" dirty="0" err="1"/>
+              <a:t>BookTok</a:t>
+            </a:r>
+            <a:r>
+              <a:rPr lang="en-US" dirty="0"/>
+              <a:t>, and Reddit. It is not worth, however, chasing perfect ratings, as those are not necessary for high engagement.</a:t>
+            </a:r>
+          </a:p>
+        </p:txBody>
+      </p:sp>
+      <p:sp>
+        <p:nvSpPr>
+          <p:cNvPr id="4" name="Slide Number Placeholder 3"/>
+          <p:cNvSpPr>
+            <a:spLocks noGrp="1"/>
+          </p:cNvSpPr>
+          <p:nvPr>
+            <p:ph type="sldNum" sz="quarter" idx="5"/>
+          </p:nvPr>
+        </p:nvSpPr>
+        <p:spPr/>
+        <p:txBody>
+          <a:bodyPr/>
+          <a:lstStyle/>
+          <a:p>
+            <a:fld id="{2CF9D960-2E61-6B4A-9736-CBE6A50A83D5}" type="slidenum">
+              <a:rPr lang="en-US" smtClean="0"/>
+              <a:t>8</a:t>
             </a:fld>
             <a:endParaRPr lang="en-US"/>
           </a:p>
@@ -1317,7 +1426,7 @@
           <a:p>
             <a:fld id="{151F57A7-1144-554E-A26F-D7A5C65B868F}" type="datetimeFigureOut">
               <a:rPr lang="en-US" smtClean="0"/>
-              <a:t>6/13/24</a:t>
+              <a:t>6/19/24</a:t>
             </a:fld>
             <a:endParaRPr lang="en-US"/>
           </a:p>
@@ -1515,7 +1624,7 @@
           <a:p>
             <a:fld id="{151F57A7-1144-554E-A26F-D7A5C65B868F}" type="datetimeFigureOut">
               <a:rPr lang="en-US" smtClean="0"/>
-              <a:t>6/13/24</a:t>
+              <a:t>6/19/24</a:t>
             </a:fld>
             <a:endParaRPr lang="en-US"/>
           </a:p>
@@ -1723,7 +1832,7 @@
           <a:p>
             <a:fld id="{151F57A7-1144-554E-A26F-D7A5C65B868F}" type="datetimeFigureOut">
               <a:rPr lang="en-US" smtClean="0"/>
-              <a:t>6/13/24</a:t>
+              <a:t>6/19/24</a:t>
             </a:fld>
             <a:endParaRPr lang="en-US"/>
           </a:p>
@@ -1921,7 +2030,7 @@
           <a:p>
             <a:fld id="{151F57A7-1144-554E-A26F-D7A5C65B868F}" type="datetimeFigureOut">
               <a:rPr lang="en-US" smtClean="0"/>
-              <a:t>6/13/24</a:t>
+              <a:t>6/19/24</a:t>
             </a:fld>
             <a:endParaRPr lang="en-US"/>
           </a:p>
@@ -2196,7 +2305,7 @@
           <a:p>
             <a:fld id="{151F57A7-1144-554E-A26F-D7A5C65B868F}" type="datetimeFigureOut">
               <a:rPr lang="en-US" smtClean="0"/>
-              <a:t>6/13/24</a:t>
+              <a:t>6/19/24</a:t>
             </a:fld>
             <a:endParaRPr lang="en-US"/>
           </a:p>
@@ -2461,7 +2570,7 @@
           <a:p>
             <a:fld id="{151F57A7-1144-554E-A26F-D7A5C65B868F}" type="datetimeFigureOut">
               <a:rPr lang="en-US" smtClean="0"/>
-              <a:t>6/13/24</a:t>
+              <a:t>6/19/24</a:t>
             </a:fld>
             <a:endParaRPr lang="en-US"/>
           </a:p>
@@ -2873,7 +2982,7 @@
           <a:p>
             <a:fld id="{151F57A7-1144-554E-A26F-D7A5C65B868F}" type="datetimeFigureOut">
               <a:rPr lang="en-US" smtClean="0"/>
-              <a:t>6/13/24</a:t>
+              <a:t>6/19/24</a:t>
             </a:fld>
             <a:endParaRPr lang="en-US"/>
           </a:p>
@@ -3014,7 +3123,7 @@
           <a:p>
             <a:fld id="{151F57A7-1144-554E-A26F-D7A5C65B868F}" type="datetimeFigureOut">
               <a:rPr lang="en-US" smtClean="0"/>
-              <a:t>6/13/24</a:t>
+              <a:t>6/19/24</a:t>
             </a:fld>
             <a:endParaRPr lang="en-US"/>
           </a:p>
@@ -3127,7 +3236,7 @@
           <a:p>
             <a:fld id="{151F57A7-1144-554E-A26F-D7A5C65B868F}" type="datetimeFigureOut">
               <a:rPr lang="en-US" smtClean="0"/>
-              <a:t>6/13/24</a:t>
+              <a:t>6/19/24</a:t>
             </a:fld>
             <a:endParaRPr lang="en-US"/>
           </a:p>
@@ -3438,7 +3547,7 @@
           <a:p>
             <a:fld id="{151F57A7-1144-554E-A26F-D7A5C65B868F}" type="datetimeFigureOut">
               <a:rPr lang="en-US" smtClean="0"/>
-              <a:t>6/13/24</a:t>
+              <a:t>6/19/24</a:t>
             </a:fld>
             <a:endParaRPr lang="en-US"/>
           </a:p>
@@ -3726,7 +3835,7 @@
           <a:p>
             <a:fld id="{151F57A7-1144-554E-A26F-D7A5C65B868F}" type="datetimeFigureOut">
               <a:rPr lang="en-US" smtClean="0"/>
-              <a:t>6/13/24</a:t>
+              <a:t>6/19/24</a:t>
             </a:fld>
             <a:endParaRPr lang="en-US"/>
           </a:p>
@@ -3967,7 +4076,7 @@
           <a:p>
             <a:fld id="{151F57A7-1144-554E-A26F-D7A5C65B868F}" type="datetimeFigureOut">
               <a:rPr lang="en-US" smtClean="0"/>
-              <a:t>6/13/24</a:t>
+              <a:t>6/19/24</a:t>
             </a:fld>
             <a:endParaRPr lang="en-US"/>
           </a:p>
@@ -4407,7 +4516,7 @@
           <a:p>
             <a:r>
               <a:rPr lang="en-US" dirty="0"/>
-              <a:t>Engaging Readers</a:t>
+              <a:t>Engaging Readers for Increasing Revenue</a:t>
             </a:r>
           </a:p>
         </p:txBody>
@@ -4732,6 +4841,93 @@
           <p:cNvPr id="2" name="Title 1">
             <a:extLst>
               <a:ext uri="{FF2B5EF4-FFF2-40B4-BE49-F238E27FC236}">
+                <a16:creationId xmlns:a16="http://schemas.microsoft.com/office/drawing/2014/main" id="{F4BA3B0A-5987-D44B-9399-603136BE07BC}"/>
+              </a:ext>
+            </a:extLst>
+          </p:cNvPr>
+          <p:cNvSpPr>
+            <a:spLocks noGrp="1"/>
+          </p:cNvSpPr>
+          <p:nvPr>
+            <p:ph type="title"/>
+          </p:nvPr>
+        </p:nvSpPr>
+        <p:spPr/>
+        <p:txBody>
+          <a:bodyPr/>
+          <a:lstStyle/>
+          <a:p>
+            <a:r>
+              <a:rPr lang="en-US" dirty="0"/>
+              <a:t>Most Rated Publishers – Average Ratings</a:t>
+            </a:r>
+          </a:p>
+        </p:txBody>
+      </p:sp>
+      <p:pic>
+        <p:nvPicPr>
+          <p:cNvPr id="9" name="Content Placeholder 8">
+            <a:extLst>
+              <a:ext uri="{FF2B5EF4-FFF2-40B4-BE49-F238E27FC236}">
+                <a16:creationId xmlns:a16="http://schemas.microsoft.com/office/drawing/2014/main" id="{1BA19E7F-3E99-3A4E-BB50-F85D44BF1096}"/>
+              </a:ext>
+            </a:extLst>
+          </p:cNvPr>
+          <p:cNvPicPr>
+            <a:picLocks noGrp="1" noChangeAspect="1"/>
+          </p:cNvPicPr>
+          <p:nvPr>
+            <p:ph idx="1"/>
+          </p:nvPr>
+        </p:nvPicPr>
+        <p:blipFill>
+          <a:blip r:embed="rId3"/>
+          <a:stretch>
+            <a:fillRect/>
+          </a:stretch>
+        </p:blipFill>
+        <p:spPr>
+          <a:xfrm>
+            <a:off x="1295400" y="1905794"/>
+            <a:ext cx="9601200" cy="4191000"/>
+          </a:xfrm>
+        </p:spPr>
+      </p:pic>
+    </p:spTree>
+    <p:extLst>
+      <p:ext uri="{BB962C8B-B14F-4D97-AF65-F5344CB8AC3E}">
+        <p14:creationId xmlns:p14="http://schemas.microsoft.com/office/powerpoint/2010/main" val="141024795"/>
+      </p:ext>
+    </p:extLst>
+  </p:cSld>
+  <p:clrMapOvr>
+    <a:masterClrMapping/>
+  </p:clrMapOvr>
+</p:sld>
+</file>
+
+<file path=ppt/slides/slide6.xml><?xml version="1.0" encoding="utf-8"?>
+<p:sld xmlns:a="http://schemas.openxmlformats.org/drawingml/2006/main" xmlns:r="http://schemas.openxmlformats.org/officeDocument/2006/relationships" xmlns:p="http://schemas.openxmlformats.org/presentationml/2006/main">
+  <p:cSld>
+    <p:spTree>
+      <p:nvGrpSpPr>
+        <p:cNvPr id="1" name=""/>
+        <p:cNvGrpSpPr/>
+        <p:nvPr/>
+      </p:nvGrpSpPr>
+      <p:grpSpPr>
+        <a:xfrm>
+          <a:off x="0" y="0"/>
+          <a:ext cx="0" cy="0"/>
+          <a:chOff x="0" y="0"/>
+          <a:chExt cx="0" cy="0"/>
+        </a:xfrm>
+      </p:grpSpPr>
+      <p:sp>
+        <p:nvSpPr>
+          <p:cNvPr id="2" name="Title 1">
+            <a:extLst>
+              <a:ext uri="{FF2B5EF4-FFF2-40B4-BE49-F238E27FC236}">
                 <a16:creationId xmlns:a16="http://schemas.microsoft.com/office/drawing/2014/main" id="{40AA9795-0C84-CB48-9954-AD37C4F4629D}"/>
               </a:ext>
             </a:extLst>
@@ -4750,7 +4946,7 @@
           <a:p>
             <a:r>
               <a:rPr lang="en-US" dirty="0"/>
-              <a:t>Most Rated Publishers</a:t>
+              <a:t>Most Rated Publishers – Total Ratings</a:t>
             </a:r>
           </a:p>
         </p:txBody>
@@ -4797,7 +4993,7 @@
 </p:sld>
 </file>
 
-<file path=ppt/slides/slide6.xml><?xml version="1.0" encoding="utf-8"?>
+<file path=ppt/slides/slide7.xml><?xml version="1.0" encoding="utf-8"?>
 <p:sld xmlns:a="http://schemas.openxmlformats.org/drawingml/2006/main" xmlns:r="http://schemas.openxmlformats.org/officeDocument/2006/relationships" xmlns:p="http://schemas.openxmlformats.org/presentationml/2006/main">
   <p:cSld>
     <p:spTree>
@@ -4884,7 +5080,7 @@
 </p:sld>
 </file>
 
-<file path=ppt/slides/slide7.xml><?xml version="1.0" encoding="utf-8"?>
+<file path=ppt/slides/slide8.xml><?xml version="1.0" encoding="utf-8"?>
 <p:sld xmlns:a="http://schemas.openxmlformats.org/drawingml/2006/main" xmlns:r="http://schemas.openxmlformats.org/officeDocument/2006/relationships" xmlns:p="http://schemas.openxmlformats.org/presentationml/2006/main">
   <p:cSld>
     <p:spTree>
